--- a/resources/media.pptx
+++ b/resources/media.pptx
@@ -3386,7 +3386,7 @@
         </p:blipFill>
         <p:spPr>
           <a:xfrm>
-            <a:off x="0" y="0"/>
+            <a:off x="-8546" y="-8546"/>
             <a:ext cx="12212478" cy="6881077"/>
           </a:xfrm>
           <a:prstGeom prst="rect">
